--- a/Network__Introduction.pptx
+++ b/Network__Introduction.pptx
@@ -18,6 +18,8 @@
     <p:sldId id="265" r:id="rId12"/>
     <p:sldId id="267" r:id="rId13"/>
     <p:sldId id="268" r:id="rId14"/>
+    <p:sldId id="269" r:id="rId15"/>
+    <p:sldId id="270" r:id="rId16"/>
   </p:sldIdLst>
   <p:sldSz cx="12192000" cy="6858000"/>
   <p:notesSz cx="6858000" cy="9144000"/>
@@ -4227,7 +4229,7 @@
             <a:graphicData uri="http://schemas.openxmlformats.org/presentationml/2006/ole">
               <mc:AlternateContent xmlns:mc="http://schemas.openxmlformats.org/markup-compatibility/2006">
                 <mc:Choice xmlns:v="urn:schemas-microsoft-com:vml" Requires="v">
-                  <p:oleObj spid="_x0000_s2060" name="Clip" r:id="rId3" imgW="1305000" imgH="1085760" progId="MS_ClipArt_Gallery.2">
+                  <p:oleObj spid="_x0000_s2065" name="Clip" r:id="rId3" imgW="1305000" imgH="1085760" progId="MS_ClipArt_Gallery.2">
                     <p:embed/>
                   </p:oleObj>
                 </mc:Choice>
@@ -4467,7 +4469,7 @@
         <p:spPr>
           <a:xfrm>
             <a:off x="12205" y="12789"/>
-            <a:ext cx="822341" cy="461665"/>
+            <a:ext cx="2136932" cy="461665"/>
           </a:xfrm>
           <a:prstGeom prst="rect">
             <a:avLst/>
@@ -4484,7 +4486,7 @@
               <a:rPr lang="en-US" altLang="zh-TW" sz="2400" b="1" dirty="0" smtClean="0">
                 <a:latin typeface="+mj-lt"/>
               </a:rPr>
-              <a:t>HTTP</a:t>
+              <a:t>HTTP – method</a:t>
             </a:r>
             <a:endParaRPr lang="zh-TW" altLang="en-US" sz="2400" b="1" dirty="0">
               <a:latin typeface="+mj-lt"/>
@@ -4500,8 +4502,8 @@
         </p:nvSpPr>
         <p:spPr>
           <a:xfrm>
-            <a:off x="238590" y="1019247"/>
-            <a:ext cx="5553315" cy="923330"/>
+            <a:off x="135559" y="548756"/>
+            <a:ext cx="12171089" cy="2862322"/>
           </a:xfrm>
           <a:prstGeom prst="rect">
             <a:avLst/>
@@ -4514,32 +4516,556 @@
           </a:bodyPr>
           <a:lstStyle/>
           <a:p>
-            <a:pPr marL="342900" indent="-342900">
+            <a:pPr marL="285750" indent="-285750">
+              <a:buFont typeface="Arial" panose="020B0604020202020204" pitchFamily="34" charset="0"/>
+              <a:buChar char="•"/>
+            </a:pPr>
+            <a:r>
+              <a:rPr lang="zh-TW" altLang="en-US" dirty="0" smtClean="0"/>
+              <a:t>網站訪問協定 </a:t>
+            </a:r>
+            <a:r>
+              <a:rPr lang="en-US" altLang="zh-TW" dirty="0" smtClean="0"/>
+              <a:t>(port 80) </a:t>
+            </a:r>
+          </a:p>
+          <a:p>
+            <a:pPr marL="800100" lvl="1" indent="-342900">
               <a:buAutoNum type="arabicPeriod"/>
             </a:pPr>
             <a:r>
               <a:rPr lang="en-US" altLang="zh-TW" dirty="0" smtClean="0"/>
-              <a:t>Client / Server  (request/response)</a:t>
-            </a:r>
-          </a:p>
-          <a:p>
-            <a:pPr marL="342900" indent="-342900">
+              <a:t>Client </a:t>
+            </a:r>
+            <a:r>
+              <a:rPr lang="en-US" altLang="zh-TW" dirty="0" smtClean="0"/>
+              <a:t>/ Server  (request/response)</a:t>
+            </a:r>
+          </a:p>
+          <a:p>
+            <a:pPr marL="800100" lvl="1" indent="-342900">
               <a:buAutoNum type="arabicPeriod"/>
             </a:pPr>
             <a:r>
               <a:rPr lang="en-US" altLang="zh-TW" dirty="0" smtClean="0"/>
-              <a:t>Stateless (each transaction is independent) =&gt; how to </a:t>
-            </a:r>
-          </a:p>
-          <a:p>
-            <a:pPr marL="342900" indent="-342900">
+              <a:t>Stateless (each transaction is independent) =&gt; </a:t>
+            </a:r>
+            <a:r>
+              <a:rPr lang="en-US" altLang="zh-TW" dirty="0" smtClean="0"/>
+              <a:t>Use cookie and session to track </a:t>
+            </a:r>
+            <a:endParaRPr lang="en-US" altLang="zh-TW" dirty="0" smtClean="0"/>
+          </a:p>
+          <a:p>
+            <a:pPr marL="800100" lvl="1" indent="-342900">
               <a:buAutoNum type="arabicPeriod"/>
             </a:pPr>
             <a:r>
               <a:rPr lang="en-US" altLang="zh-TW" dirty="0" smtClean="0"/>
               <a:t>Application layer </a:t>
             </a:r>
+            <a:r>
+              <a:rPr lang="en-US" altLang="zh-TW" dirty="0" smtClean="0"/>
+              <a:t>(HTTP sitting on the top of OSI 7 layers)</a:t>
+            </a:r>
+          </a:p>
+          <a:p>
+            <a:pPr marL="800100" lvl="1" indent="-342900">
+              <a:buAutoNum type="arabicPeriod"/>
+            </a:pPr>
+            <a:r>
+              <a:rPr lang="en-US" altLang="zh-TW" dirty="0" smtClean="0"/>
+              <a:t>HTTP action (GET/POST/PUT/DELETE/PATCH): different action will trigger server to do different things</a:t>
+            </a:r>
+          </a:p>
+          <a:p>
+            <a:pPr marL="800100" lvl="1" indent="-342900">
+              <a:buAutoNum type="arabicPeriod"/>
+            </a:pPr>
+            <a:r>
+              <a:rPr lang="en-US" altLang="zh-TW" dirty="0" smtClean="0"/>
+              <a:t>Server codes (2xx</a:t>
+            </a:r>
+            <a:r>
+              <a:rPr lang="zh-TW" altLang="en-US" dirty="0" smtClean="0"/>
+              <a:t>成</a:t>
+            </a:r>
+            <a:r>
+              <a:rPr lang="zh-TW" altLang="en-US" dirty="0"/>
+              <a:t>功</a:t>
+            </a:r>
+            <a:r>
+              <a:rPr lang="en-US" altLang="zh-TW" dirty="0" smtClean="0"/>
+              <a:t>/3xx</a:t>
+            </a:r>
+            <a:r>
+              <a:rPr lang="zh-TW" altLang="en-US" dirty="0" smtClean="0"/>
+              <a:t>重導</a:t>
+            </a:r>
+            <a:r>
+              <a:rPr lang="en-US" altLang="zh-TW" dirty="0" smtClean="0"/>
+              <a:t>/4xx</a:t>
+            </a:r>
+            <a:r>
+              <a:rPr lang="zh-TW" altLang="en-US" dirty="0" smtClean="0"/>
+              <a:t>請求錯誤</a:t>
+            </a:r>
+            <a:r>
+              <a:rPr lang="en-US" altLang="zh-TW" dirty="0" smtClean="0"/>
+              <a:t>/5xx</a:t>
+            </a:r>
+            <a:r>
+              <a:rPr lang="zh-TW" altLang="en-US" dirty="0" smtClean="0"/>
+              <a:t>伺服器錯誤</a:t>
+            </a:r>
+            <a:r>
+              <a:rPr lang="en-US" altLang="zh-TW" dirty="0" smtClean="0"/>
+              <a:t>)</a:t>
+            </a:r>
+          </a:p>
+          <a:p>
+            <a:pPr marL="800100" lvl="1" indent="-342900">
+              <a:buAutoNum type="arabicPeriod"/>
+            </a:pPr>
+            <a:r>
+              <a:rPr lang="en-US" altLang="zh-TW" dirty="0" smtClean="0"/>
+              <a:t>Headers (message included in request and response for special claim)</a:t>
+            </a:r>
+            <a:r>
+              <a:rPr lang="zh-TW" altLang="en-US" dirty="0" smtClean="0"/>
+              <a:t> 夾帶</a:t>
+            </a:r>
+            <a:r>
+              <a:rPr lang="en-US" altLang="zh-TW" dirty="0" smtClean="0"/>
+              <a:t>header</a:t>
+            </a:r>
+            <a:r>
+              <a:rPr lang="zh-TW" altLang="en-US" dirty="0" smtClean="0"/>
+              <a:t>訊息來達成不同要求</a:t>
+            </a:r>
+            <a:r>
+              <a:rPr lang="en-US" altLang="zh-TW" dirty="0" smtClean="0"/>
+              <a:t>(e.g.</a:t>
+            </a:r>
+            <a:r>
+              <a:rPr lang="zh-TW" altLang="en-US" dirty="0" smtClean="0"/>
+              <a:t>資料格式</a:t>
+            </a:r>
+            <a:r>
+              <a:rPr lang="en-US" altLang="zh-TW" dirty="0" smtClean="0"/>
+              <a:t>)</a:t>
+            </a:r>
+          </a:p>
+          <a:p>
+            <a:pPr marL="342900" indent="-342900">
+              <a:buFont typeface="Arial" panose="020B0604020202020204" pitchFamily="34" charset="0"/>
+              <a:buChar char="•"/>
+            </a:pPr>
+            <a:r>
+              <a:rPr lang="en-US" altLang="zh-TW" dirty="0" smtClean="0"/>
+              <a:t>Web Server </a:t>
+            </a:r>
+            <a:r>
+              <a:rPr lang="zh-TW" altLang="en-US" dirty="0" smtClean="0"/>
+              <a:t>實作 </a:t>
+            </a:r>
+            <a:r>
+              <a:rPr lang="en-US" altLang="zh-TW" dirty="0" err="1" smtClean="0"/>
+              <a:t>RestfulAPI</a:t>
+            </a:r>
+            <a:r>
+              <a:rPr lang="en-US" altLang="zh-TW" dirty="0" smtClean="0"/>
+              <a:t>=&gt; </a:t>
+            </a:r>
+            <a:r>
+              <a:rPr lang="zh-TW" altLang="en-US" dirty="0" smtClean="0"/>
+              <a:t>定義</a:t>
+            </a:r>
+            <a:r>
+              <a:rPr lang="en-US" altLang="zh-TW" dirty="0" smtClean="0"/>
+              <a:t>(</a:t>
+            </a:r>
+            <a:r>
+              <a:rPr lang="zh-TW" altLang="en-US" dirty="0" smtClean="0"/>
+              <a:t>接口</a:t>
+            </a:r>
+            <a:r>
+              <a:rPr lang="en-US" altLang="zh-TW" dirty="0" smtClean="0"/>
+              <a:t>)</a:t>
+            </a:r>
+            <a:r>
+              <a:rPr lang="zh-TW" altLang="en-US" dirty="0" smtClean="0"/>
+              <a:t>如何監聽</a:t>
+            </a:r>
+            <a:r>
+              <a:rPr lang="en-US" altLang="zh-TW" dirty="0" smtClean="0"/>
+              <a:t>/</a:t>
+            </a:r>
+            <a:r>
+              <a:rPr lang="zh-TW" altLang="en-US" dirty="0" smtClean="0"/>
+              <a:t>開放何種</a:t>
+            </a:r>
+            <a:r>
+              <a:rPr lang="en-US" altLang="zh-TW" dirty="0" smtClean="0"/>
+              <a:t>action/</a:t>
+            </a:r>
+            <a:r>
+              <a:rPr lang="zh-TW" altLang="en-US" dirty="0" smtClean="0"/>
+              <a:t>各種</a:t>
+            </a:r>
+            <a:r>
+              <a:rPr lang="en-US" altLang="zh-TW" dirty="0" smtClean="0"/>
+              <a:t>action</a:t>
+            </a:r>
+            <a:r>
+              <a:rPr lang="zh-TW" altLang="en-US" dirty="0" smtClean="0"/>
+              <a:t>相對應伺服器的操作</a:t>
+            </a:r>
+            <a:r>
+              <a:rPr lang="en-US" altLang="zh-TW" dirty="0" smtClean="0"/>
+              <a:t>/</a:t>
+            </a:r>
+            <a:r>
+              <a:rPr lang="zh-TW" altLang="en-US" dirty="0" smtClean="0"/>
+              <a:t>錯誤例外訊息</a:t>
+            </a:r>
+            <a:endParaRPr lang="en-US" altLang="zh-TW" dirty="0" smtClean="0"/>
+          </a:p>
+          <a:p>
+            <a:pPr marL="342900" indent="-342900">
+              <a:buFont typeface="Arial" panose="020B0604020202020204" pitchFamily="34" charset="0"/>
+              <a:buChar char="•"/>
+            </a:pPr>
+            <a:r>
+              <a:rPr lang="en-US" altLang="zh-TW" dirty="0" smtClean="0"/>
+              <a:t>Restful API =&gt;</a:t>
+            </a:r>
+            <a:r>
+              <a:rPr lang="zh-TW" altLang="en-US" dirty="0" smtClean="0"/>
+              <a:t> 按照</a:t>
+            </a:r>
+            <a:r>
+              <a:rPr lang="en-US" altLang="zh-TW" dirty="0" smtClean="0"/>
+              <a:t>rest</a:t>
+            </a:r>
+            <a:r>
+              <a:rPr lang="zh-TW" altLang="en-US" dirty="0" smtClean="0"/>
+              <a:t>架構</a:t>
+            </a:r>
+            <a:r>
+              <a:rPr lang="en-US" altLang="zh-TW" dirty="0" smtClean="0"/>
+              <a:t>(</a:t>
+            </a:r>
+            <a:r>
+              <a:rPr lang="en-US" altLang="zh-TW" dirty="0"/>
+              <a:t>Resource Representational State </a:t>
+            </a:r>
+            <a:r>
+              <a:rPr lang="en-US" altLang="zh-TW" dirty="0" smtClean="0"/>
+              <a:t>Transfer)</a:t>
+            </a:r>
+            <a:r>
+              <a:rPr lang="zh-TW" altLang="en-US" dirty="0" smtClean="0"/>
+              <a:t>去設計的</a:t>
+            </a:r>
+            <a:r>
+              <a:rPr lang="en-US" altLang="zh-TW" dirty="0" smtClean="0"/>
+              <a:t>API</a:t>
+            </a:r>
+          </a:p>
+          <a:p>
+            <a:pPr marL="342900" indent="-342900">
+              <a:buFont typeface="Arial" panose="020B0604020202020204" pitchFamily="34" charset="0"/>
+              <a:buChar char="•"/>
+            </a:pPr>
+            <a:r>
+              <a:rPr lang="en-US" altLang="zh-TW" dirty="0" smtClean="0"/>
+              <a:t>Linux </a:t>
+            </a:r>
+            <a:r>
+              <a:rPr lang="zh-TW" altLang="en-US" dirty="0" smtClean="0"/>
+              <a:t>測試 </a:t>
+            </a:r>
+            <a:r>
+              <a:rPr lang="en-US" altLang="zh-TW" dirty="0" smtClean="0"/>
+              <a:t>web server </a:t>
+            </a:r>
+            <a:r>
+              <a:rPr lang="zh-TW" altLang="en-US" dirty="0" smtClean="0"/>
+              <a:t>功能常用 </a:t>
+            </a:r>
+            <a:r>
+              <a:rPr lang="en-US" altLang="zh-TW" dirty="0" smtClean="0"/>
+              <a:t>curl</a:t>
+            </a:r>
+            <a:r>
+              <a:rPr lang="zh-TW" altLang="en-US" dirty="0"/>
+              <a:t> </a:t>
+            </a:r>
+            <a:r>
+              <a:rPr lang="en-US" altLang="zh-TW" dirty="0"/>
+              <a:t>–</a:t>
+            </a:r>
+            <a:r>
+              <a:rPr lang="en-US" altLang="zh-TW" dirty="0" smtClean="0"/>
+              <a:t>X</a:t>
+            </a:r>
+            <a:r>
+              <a:rPr lang="zh-TW" altLang="en-US" dirty="0" smtClean="0"/>
+              <a:t> </a:t>
+            </a:r>
+            <a:r>
+              <a:rPr lang="en-US" altLang="zh-TW" dirty="0" smtClean="0"/>
+              <a:t>[</a:t>
+            </a:r>
+            <a:r>
+              <a:rPr lang="en-US" altLang="zh-TW" dirty="0"/>
+              <a:t>GET|POST|PUT|DELETE</a:t>
+            </a:r>
+            <a:r>
+              <a:rPr lang="en-US" altLang="zh-TW" dirty="0" smtClean="0"/>
+              <a:t>|…]</a:t>
+            </a:r>
+            <a:r>
+              <a:rPr lang="zh-TW" altLang="en-US" dirty="0" smtClean="0"/>
+              <a:t> 測試</a:t>
+            </a:r>
+            <a:r>
+              <a:rPr lang="en-US" altLang="zh-TW" dirty="0" smtClean="0"/>
+              <a:t>restful</a:t>
+            </a:r>
+            <a:r>
+              <a:rPr lang="zh-TW" altLang="en-US" dirty="0" smtClean="0"/>
+              <a:t> </a:t>
+            </a:r>
+            <a:r>
+              <a:rPr lang="en-US" altLang="zh-TW" dirty="0" smtClean="0"/>
+              <a:t>API</a:t>
+            </a:r>
+            <a:r>
+              <a:rPr lang="zh-TW" altLang="en-US" dirty="0" smtClean="0"/>
+              <a:t> </a:t>
+            </a:r>
+            <a:r>
+              <a:rPr lang="zh-TW" altLang="en-US" dirty="0"/>
+              <a:t>功能</a:t>
+            </a:r>
+            <a:endParaRPr lang="en-US" altLang="zh-TW" dirty="0" smtClean="0"/>
+          </a:p>
+        </p:txBody>
+      </p:sp>
+      <p:sp>
+        <p:nvSpPr>
+          <p:cNvPr id="6" name="文字方塊 5"/>
+          <p:cNvSpPr txBox="1"/>
+          <p:nvPr/>
+        </p:nvSpPr>
+        <p:spPr>
+          <a:xfrm>
+            <a:off x="135559" y="3060961"/>
+            <a:ext cx="184731" cy="369332"/>
+          </a:xfrm>
+          <a:prstGeom prst="rect">
+            <a:avLst/>
+          </a:prstGeom>
+          <a:noFill/>
+        </p:spPr>
+        <p:txBody>
+          <a:bodyPr wrap="none" rtlCol="0">
+            <a:spAutoFit/>
+          </a:bodyPr>
+          <a:lstStyle/>
+          <a:p>
             <a:endParaRPr lang="zh-TW" altLang="en-US" dirty="0"/>
+          </a:p>
+        </p:txBody>
+      </p:sp>
+      <p:pic>
+        <p:nvPicPr>
+          <p:cNvPr id="2" name="圖片 1"/>
+          <p:cNvPicPr>
+            <a:picLocks noChangeAspect="1"/>
+          </p:cNvPicPr>
+          <p:nvPr/>
+        </p:nvPicPr>
+        <p:blipFill>
+          <a:blip r:embed="rId2"/>
+          <a:stretch>
+            <a:fillRect/>
+          </a:stretch>
+        </p:blipFill>
+        <p:spPr>
+          <a:xfrm>
+            <a:off x="417103" y="3711625"/>
+            <a:ext cx="4613779" cy="1567502"/>
+          </a:xfrm>
+          <a:prstGeom prst="rect">
+            <a:avLst/>
+          </a:prstGeom>
+          <a:ln>
+            <a:solidFill>
+              <a:schemeClr val="bg2">
+                <a:lumMod val="90000"/>
+              </a:schemeClr>
+            </a:solidFill>
+          </a:ln>
+        </p:spPr>
+      </p:pic>
+      <p:pic>
+        <p:nvPicPr>
+          <p:cNvPr id="3" name="圖片 2"/>
+          <p:cNvPicPr>
+            <a:picLocks noChangeAspect="1"/>
+          </p:cNvPicPr>
+          <p:nvPr/>
+        </p:nvPicPr>
+        <p:blipFill>
+          <a:blip r:embed="rId3"/>
+          <a:stretch>
+            <a:fillRect/>
+          </a:stretch>
+        </p:blipFill>
+        <p:spPr>
+          <a:xfrm>
+            <a:off x="286940" y="5579674"/>
+            <a:ext cx="4874103" cy="1095062"/>
+          </a:xfrm>
+          <a:prstGeom prst="rect">
+            <a:avLst/>
+          </a:prstGeom>
+          <a:ln>
+            <a:solidFill>
+              <a:schemeClr val="bg2">
+                <a:lumMod val="90000"/>
+              </a:schemeClr>
+            </a:solidFill>
+          </a:ln>
+        </p:spPr>
+      </p:pic>
+      <p:pic>
+        <p:nvPicPr>
+          <p:cNvPr id="7" name="圖片 6"/>
+          <p:cNvPicPr>
+            <a:picLocks noChangeAspect="1"/>
+          </p:cNvPicPr>
+          <p:nvPr/>
+        </p:nvPicPr>
+        <p:blipFill>
+          <a:blip r:embed="rId4"/>
+          <a:stretch>
+            <a:fillRect/>
+          </a:stretch>
+        </p:blipFill>
+        <p:spPr>
+          <a:xfrm>
+            <a:off x="5579311" y="3711625"/>
+            <a:ext cx="4816845" cy="2963111"/>
+          </a:xfrm>
+          <a:prstGeom prst="rect">
+            <a:avLst/>
+          </a:prstGeom>
+          <a:ln>
+            <a:solidFill>
+              <a:schemeClr val="bg2">
+                <a:lumMod val="90000"/>
+              </a:schemeClr>
+            </a:solidFill>
+          </a:ln>
+        </p:spPr>
+      </p:pic>
+      <p:sp>
+        <p:nvSpPr>
+          <p:cNvPr id="8" name="文字方塊 7"/>
+          <p:cNvSpPr txBox="1"/>
+          <p:nvPr/>
+        </p:nvSpPr>
+        <p:spPr>
+          <a:xfrm>
+            <a:off x="8213017" y="5388110"/>
+            <a:ext cx="3753720" cy="646331"/>
+          </a:xfrm>
+          <a:prstGeom prst="rect">
+            <a:avLst/>
+          </a:prstGeom>
+          <a:solidFill>
+            <a:schemeClr val="accent2">
+              <a:lumMod val="20000"/>
+              <a:lumOff val="80000"/>
+            </a:schemeClr>
+          </a:solidFill>
+        </p:spPr>
+        <p:txBody>
+          <a:bodyPr wrap="none" rtlCol="0">
+            <a:spAutoFit/>
+          </a:bodyPr>
+          <a:lstStyle/>
+          <a:p>
+            <a:pPr marL="285750" indent="-285750">
+              <a:buFont typeface="Arial" panose="020B0604020202020204" pitchFamily="34" charset="0"/>
+              <a:buChar char="•"/>
+            </a:pPr>
+            <a:r>
+              <a:rPr lang="zh-TW" altLang="en-US" sz="1200" dirty="0" smtClean="0"/>
+              <a:t>以</a:t>
+            </a:r>
+            <a:r>
+              <a:rPr lang="en-US" altLang="zh-TW" sz="1200" dirty="0" smtClean="0"/>
+              <a:t>GET</a:t>
+            </a:r>
+            <a:r>
+              <a:rPr lang="zh-TW" altLang="en-US" sz="1200" dirty="0" smtClean="0"/>
+              <a:t>方法取得的</a:t>
+            </a:r>
+            <a:r>
+              <a:rPr lang="en-US" altLang="zh-TW" sz="1200" dirty="0" smtClean="0"/>
+              <a:t>HTML</a:t>
+            </a:r>
+            <a:r>
+              <a:rPr lang="zh-TW" altLang="en-US" sz="1200" dirty="0" smtClean="0"/>
+              <a:t>資料因為固定</a:t>
+            </a:r>
+            <a:r>
+              <a:rPr lang="en-US" altLang="zh-TW" sz="1200" dirty="0" smtClean="0"/>
+              <a:t>,</a:t>
+            </a:r>
+            <a:r>
+              <a:rPr lang="zh-TW" altLang="en-US" sz="1200" dirty="0" smtClean="0"/>
+              <a:t>常存</a:t>
+            </a:r>
+            <a:r>
+              <a:rPr lang="en-US" altLang="zh-TW" sz="1200" dirty="0" smtClean="0"/>
+              <a:t>cache</a:t>
+            </a:r>
+          </a:p>
+          <a:p>
+            <a:pPr marL="285750" indent="-285750">
+              <a:buFont typeface="Arial" panose="020B0604020202020204" pitchFamily="34" charset="0"/>
+              <a:buChar char="•"/>
+            </a:pPr>
+            <a:r>
+              <a:rPr lang="zh-TW" altLang="en-US" sz="1200" dirty="0" smtClean="0"/>
+              <a:t>依照每個方法特性，設計</a:t>
+            </a:r>
+            <a:r>
+              <a:rPr lang="en-US" altLang="zh-TW" sz="1200" dirty="0" smtClean="0"/>
+              <a:t>Web API/</a:t>
+            </a:r>
+            <a:r>
+              <a:rPr lang="zh-TW" altLang="en-US" sz="1200" dirty="0" smtClean="0"/>
+              <a:t>爬蟲</a:t>
+            </a:r>
+            <a:endParaRPr lang="en-US" altLang="zh-TW" sz="1200" dirty="0" smtClean="0"/>
+          </a:p>
+          <a:p>
+            <a:pPr marL="285750" indent="-285750">
+              <a:buFont typeface="Arial" panose="020B0604020202020204" pitchFamily="34" charset="0"/>
+              <a:buChar char="•"/>
+            </a:pPr>
+            <a:r>
+              <a:rPr lang="zh-TW" altLang="en-US" sz="1200" dirty="0" smtClean="0"/>
+              <a:t>遵守協定來設計可以避免不必要的麻煩</a:t>
+            </a:r>
+            <a:endParaRPr lang="en-US" altLang="zh-TW" sz="1200" dirty="0" smtClean="0"/>
           </a:p>
         </p:txBody>
       </p:sp>
@@ -4547,6 +5073,1400 @@
     <p:extLst>
       <p:ext uri="{BB962C8B-B14F-4D97-AF65-F5344CB8AC3E}">
         <p14:creationId xmlns:p14="http://schemas.microsoft.com/office/powerpoint/2010/main" val="1144669496"/>
+      </p:ext>
+    </p:extLst>
+  </p:cSld>
+  <p:clrMapOvr>
+    <a:masterClrMapping/>
+  </p:clrMapOvr>
+</p:sld>
+</file>
+
+<file path=ppt/slides/slide14.xml><?xml version="1.0" encoding="utf-8"?>
+<p:sld xmlns:a="http://schemas.openxmlformats.org/drawingml/2006/main" xmlns:r="http://schemas.openxmlformats.org/officeDocument/2006/relationships" xmlns:p="http://schemas.openxmlformats.org/presentationml/2006/main">
+  <p:cSld>
+    <p:spTree>
+      <p:nvGrpSpPr>
+        <p:cNvPr id="1" name=""/>
+        <p:cNvGrpSpPr/>
+        <p:nvPr/>
+      </p:nvGrpSpPr>
+      <p:grpSpPr>
+        <a:xfrm>
+          <a:off x="0" y="0"/>
+          <a:ext cx="0" cy="0"/>
+          <a:chOff x="0" y="0"/>
+          <a:chExt cx="0" cy="0"/>
+        </a:xfrm>
+      </p:grpSpPr>
+      <p:sp>
+        <p:nvSpPr>
+          <p:cNvPr id="4" name="文字方塊 3"/>
+          <p:cNvSpPr txBox="1"/>
+          <p:nvPr/>
+        </p:nvSpPr>
+        <p:spPr>
+          <a:xfrm>
+            <a:off x="12205" y="12789"/>
+            <a:ext cx="3159648" cy="461665"/>
+          </a:xfrm>
+          <a:prstGeom prst="rect">
+            <a:avLst/>
+          </a:prstGeom>
+          <a:noFill/>
+        </p:spPr>
+        <p:txBody>
+          <a:bodyPr wrap="none" rtlCol="0">
+            <a:spAutoFit/>
+          </a:bodyPr>
+          <a:lstStyle/>
+          <a:p>
+            <a:r>
+              <a:rPr lang="en-US" altLang="zh-TW" sz="2400" b="1" dirty="0" smtClean="0">
+                <a:latin typeface="+mj-lt"/>
+              </a:rPr>
+              <a:t>curl -X (client </a:t>
+            </a:r>
+            <a:r>
+              <a:rPr lang="en-US" altLang="zh-TW" sz="2400" b="1" dirty="0" err="1" smtClean="0">
+                <a:latin typeface="+mj-lt"/>
+              </a:rPr>
+              <a:t>url</a:t>
+            </a:r>
+            <a:r>
+              <a:rPr lang="en-US" altLang="zh-TW" sz="2400" b="1" dirty="0" smtClean="0">
+                <a:latin typeface="+mj-lt"/>
+              </a:rPr>
+              <a:t>) testing</a:t>
+            </a:r>
+            <a:endParaRPr lang="zh-TW" altLang="en-US" sz="2400" b="1" dirty="0">
+              <a:latin typeface="+mj-lt"/>
+            </a:endParaRPr>
+          </a:p>
+        </p:txBody>
+      </p:sp>
+      <p:pic>
+        <p:nvPicPr>
+          <p:cNvPr id="5" name="圖片 4"/>
+          <p:cNvPicPr>
+            <a:picLocks noChangeAspect="1"/>
+          </p:cNvPicPr>
+          <p:nvPr/>
+        </p:nvPicPr>
+        <p:blipFill>
+          <a:blip r:embed="rId2"/>
+          <a:stretch>
+            <a:fillRect/>
+          </a:stretch>
+        </p:blipFill>
+        <p:spPr>
+          <a:xfrm>
+            <a:off x="34389" y="633480"/>
+            <a:ext cx="6115904" cy="1562318"/>
+          </a:xfrm>
+          <a:prstGeom prst="rect">
+            <a:avLst/>
+          </a:prstGeom>
+          <a:ln>
+            <a:solidFill>
+              <a:schemeClr val="bg2">
+                <a:lumMod val="90000"/>
+              </a:schemeClr>
+            </a:solidFill>
+          </a:ln>
+        </p:spPr>
+      </p:pic>
+      <p:pic>
+        <p:nvPicPr>
+          <p:cNvPr id="6" name="圖片 5"/>
+          <p:cNvPicPr>
+            <a:picLocks noChangeAspect="1"/>
+          </p:cNvPicPr>
+          <p:nvPr/>
+        </p:nvPicPr>
+        <p:blipFill>
+          <a:blip r:embed="rId3"/>
+          <a:stretch>
+            <a:fillRect/>
+          </a:stretch>
+        </p:blipFill>
+        <p:spPr>
+          <a:xfrm>
+            <a:off x="34389" y="2539157"/>
+            <a:ext cx="5655175" cy="718805"/>
+          </a:xfrm>
+          <a:prstGeom prst="rect">
+            <a:avLst/>
+          </a:prstGeom>
+          <a:ln>
+            <a:solidFill>
+              <a:schemeClr val="bg2">
+                <a:lumMod val="90000"/>
+              </a:schemeClr>
+            </a:solidFill>
+          </a:ln>
+        </p:spPr>
+      </p:pic>
+      <p:pic>
+        <p:nvPicPr>
+          <p:cNvPr id="7" name="圖片 6"/>
+          <p:cNvPicPr>
+            <a:picLocks noChangeAspect="1"/>
+          </p:cNvPicPr>
+          <p:nvPr/>
+        </p:nvPicPr>
+        <p:blipFill>
+          <a:blip r:embed="rId4"/>
+          <a:stretch>
+            <a:fillRect/>
+          </a:stretch>
+        </p:blipFill>
+        <p:spPr>
+          <a:xfrm>
+            <a:off x="34389" y="3537896"/>
+            <a:ext cx="5776420" cy="1221102"/>
+          </a:xfrm>
+          <a:prstGeom prst="rect">
+            <a:avLst/>
+          </a:prstGeom>
+          <a:ln>
+            <a:solidFill>
+              <a:schemeClr val="bg2">
+                <a:lumMod val="90000"/>
+              </a:schemeClr>
+            </a:solidFill>
+          </a:ln>
+        </p:spPr>
+      </p:pic>
+      <p:pic>
+        <p:nvPicPr>
+          <p:cNvPr id="8" name="圖片 7"/>
+          <p:cNvPicPr>
+            <a:picLocks noChangeAspect="1"/>
+          </p:cNvPicPr>
+          <p:nvPr/>
+        </p:nvPicPr>
+        <p:blipFill>
+          <a:blip r:embed="rId5"/>
+          <a:stretch>
+            <a:fillRect/>
+          </a:stretch>
+        </p:blipFill>
+        <p:spPr>
+          <a:xfrm>
+            <a:off x="34389" y="5038932"/>
+            <a:ext cx="6521205" cy="1160480"/>
+          </a:xfrm>
+          <a:prstGeom prst="rect">
+            <a:avLst/>
+          </a:prstGeom>
+          <a:ln>
+            <a:solidFill>
+              <a:schemeClr val="bg2">
+                <a:lumMod val="90000"/>
+              </a:schemeClr>
+            </a:solidFill>
+          </a:ln>
+        </p:spPr>
+      </p:pic>
+      <p:pic>
+        <p:nvPicPr>
+          <p:cNvPr id="9" name="圖片 8"/>
+          <p:cNvPicPr>
+            <a:picLocks noChangeAspect="1"/>
+          </p:cNvPicPr>
+          <p:nvPr/>
+        </p:nvPicPr>
+        <p:blipFill>
+          <a:blip r:embed="rId6"/>
+          <a:stretch>
+            <a:fillRect/>
+          </a:stretch>
+        </p:blipFill>
+        <p:spPr>
+          <a:xfrm>
+            <a:off x="6213509" y="633480"/>
+            <a:ext cx="5951987" cy="4046722"/>
+          </a:xfrm>
+          <a:prstGeom prst="rect">
+            <a:avLst/>
+          </a:prstGeom>
+          <a:ln>
+            <a:solidFill>
+              <a:schemeClr val="bg2">
+                <a:lumMod val="90000"/>
+              </a:schemeClr>
+            </a:solidFill>
+          </a:ln>
+        </p:spPr>
+      </p:pic>
+    </p:spTree>
+    <p:extLst>
+      <p:ext uri="{BB962C8B-B14F-4D97-AF65-F5344CB8AC3E}">
+        <p14:creationId xmlns:p14="http://schemas.microsoft.com/office/powerpoint/2010/main" val="3145075832"/>
+      </p:ext>
+    </p:extLst>
+  </p:cSld>
+  <p:clrMapOvr>
+    <a:masterClrMapping/>
+  </p:clrMapOvr>
+</p:sld>
+</file>
+
+<file path=ppt/slides/slide15.xml><?xml version="1.0" encoding="utf-8"?>
+<p:sld xmlns:a="http://schemas.openxmlformats.org/drawingml/2006/main" xmlns:r="http://schemas.openxmlformats.org/officeDocument/2006/relationships" xmlns:p="http://schemas.openxmlformats.org/presentationml/2006/main">
+  <p:cSld>
+    <p:spTree>
+      <p:nvGrpSpPr>
+        <p:cNvPr id="1" name=""/>
+        <p:cNvGrpSpPr/>
+        <p:nvPr/>
+      </p:nvGrpSpPr>
+      <p:grpSpPr>
+        <a:xfrm>
+          <a:off x="0" y="0"/>
+          <a:ext cx="0" cy="0"/>
+          <a:chOff x="0" y="0"/>
+          <a:chExt cx="0" cy="0"/>
+        </a:xfrm>
+      </p:grpSpPr>
+      <p:sp>
+        <p:nvSpPr>
+          <p:cNvPr id="4" name="文字方塊 3"/>
+          <p:cNvSpPr txBox="1"/>
+          <p:nvPr/>
+        </p:nvSpPr>
+        <p:spPr>
+          <a:xfrm>
+            <a:off x="12205" y="12789"/>
+            <a:ext cx="2505814" cy="461665"/>
+          </a:xfrm>
+          <a:prstGeom prst="rect">
+            <a:avLst/>
+          </a:prstGeom>
+          <a:noFill/>
+        </p:spPr>
+        <p:txBody>
+          <a:bodyPr wrap="none" rtlCol="0">
+            <a:spAutoFit/>
+          </a:bodyPr>
+          <a:lstStyle/>
+          <a:p>
+            <a:r>
+              <a:rPr lang="en-US" altLang="zh-TW" sz="2400" b="1" dirty="0" smtClean="0">
+                <a:latin typeface="+mj-lt"/>
+              </a:rPr>
+              <a:t>Cookie and Session</a:t>
+            </a:r>
+            <a:endParaRPr lang="zh-TW" altLang="en-US" sz="2400" b="1" dirty="0">
+              <a:latin typeface="+mj-lt"/>
+            </a:endParaRPr>
+          </a:p>
+        </p:txBody>
+      </p:sp>
+      <p:sp>
+        <p:nvSpPr>
+          <p:cNvPr id="5" name="矩形 4"/>
+          <p:cNvSpPr/>
+          <p:nvPr/>
+        </p:nvSpPr>
+        <p:spPr>
+          <a:xfrm>
+            <a:off x="12205" y="642800"/>
+            <a:ext cx="12153007" cy="3139321"/>
+          </a:xfrm>
+          <a:prstGeom prst="rect">
+            <a:avLst/>
+          </a:prstGeom>
+        </p:spPr>
+        <p:txBody>
+          <a:bodyPr wrap="none">
+            <a:spAutoFit/>
+          </a:bodyPr>
+          <a:lstStyle/>
+          <a:p>
+            <a:pPr marL="285750" indent="-285750">
+              <a:buFont typeface="Arial" panose="020B0604020202020204" pitchFamily="34" charset="0"/>
+              <a:buChar char="•"/>
+            </a:pPr>
+            <a:r>
+              <a:rPr lang="zh-TW" altLang="en-US" dirty="0" smtClean="0"/>
+              <a:t>用來解決</a:t>
+            </a:r>
+            <a:r>
+              <a:rPr lang="en-US" altLang="zh-TW" dirty="0" smtClean="0"/>
+              <a:t>HTTP</a:t>
+            </a:r>
+            <a:r>
+              <a:rPr lang="zh-TW" altLang="en-US" dirty="0" smtClean="0"/>
+              <a:t> </a:t>
+            </a:r>
+            <a:r>
+              <a:rPr lang="en-US" altLang="zh-TW" dirty="0" smtClean="0"/>
+              <a:t>stateless</a:t>
+            </a:r>
+            <a:r>
+              <a:rPr lang="zh-TW" altLang="en-US" dirty="0" smtClean="0"/>
+              <a:t>問題</a:t>
+            </a:r>
+            <a:r>
+              <a:rPr lang="en-US" altLang="zh-TW" dirty="0" smtClean="0"/>
+              <a:t>, </a:t>
+            </a:r>
+            <a:r>
+              <a:rPr lang="zh-TW" altLang="en-US" dirty="0" smtClean="0"/>
+              <a:t>讓造訪網站具備記憶使用者認證紀錄的功能</a:t>
+            </a:r>
+            <a:endParaRPr lang="en-US" altLang="zh-TW" dirty="0" smtClean="0"/>
+          </a:p>
+          <a:p>
+            <a:pPr marL="285750" indent="-285750">
+              <a:buFont typeface="Arial" panose="020B0604020202020204" pitchFamily="34" charset="0"/>
+              <a:buChar char="•"/>
+            </a:pPr>
+            <a:r>
+              <a:rPr lang="en-US" altLang="zh-TW" dirty="0" smtClean="0"/>
+              <a:t>Cookie / Session :</a:t>
+            </a:r>
+            <a:r>
+              <a:rPr lang="zh-TW" altLang="en-US" dirty="0" smtClean="0"/>
+              <a:t> 網路伺服器後端實作</a:t>
+            </a:r>
+            <a:r>
+              <a:rPr lang="en-US" altLang="zh-TW" dirty="0" smtClean="0"/>
+              <a:t>(</a:t>
+            </a:r>
+            <a:r>
+              <a:rPr lang="en-US" altLang="zh-TW" dirty="0" err="1" smtClean="0"/>
+              <a:t>php</a:t>
+            </a:r>
+            <a:r>
+              <a:rPr lang="en-US" altLang="zh-TW" dirty="0" smtClean="0"/>
+              <a:t>/Java/</a:t>
+            </a:r>
+            <a:r>
+              <a:rPr lang="en-US" altLang="zh-TW" dirty="0" err="1" smtClean="0"/>
+              <a:t>js</a:t>
+            </a:r>
+            <a:r>
+              <a:rPr lang="en-US" altLang="zh-TW" dirty="0" smtClean="0"/>
+              <a:t>)</a:t>
+            </a:r>
+          </a:p>
+          <a:p>
+            <a:pPr marL="285750" indent="-285750">
+              <a:buFont typeface="Arial" panose="020B0604020202020204" pitchFamily="34" charset="0"/>
+              <a:buChar char="•"/>
+            </a:pPr>
+            <a:r>
+              <a:rPr lang="en-US" altLang="zh-TW" dirty="0" smtClean="0"/>
+              <a:t>Cookie</a:t>
+            </a:r>
+            <a:r>
+              <a:rPr lang="zh-TW" altLang="en-US" dirty="0" smtClean="0"/>
+              <a:t> </a:t>
+            </a:r>
+            <a:r>
+              <a:rPr lang="en-US" altLang="zh-TW" dirty="0" smtClean="0"/>
+              <a:t>=&gt;</a:t>
+            </a:r>
+            <a:r>
+              <a:rPr lang="zh-TW" altLang="en-US" dirty="0" smtClean="0"/>
+              <a:t> 瀏覽器程式存在用戶本地端硬碟中的文檔</a:t>
+            </a:r>
+            <a:r>
+              <a:rPr lang="en-US" altLang="zh-TW" dirty="0" smtClean="0"/>
+              <a:t>,</a:t>
+            </a:r>
+            <a:r>
+              <a:rPr lang="zh-TW" altLang="en-US" dirty="0" smtClean="0"/>
+              <a:t> 用來保存認證</a:t>
+            </a:r>
+            <a:r>
+              <a:rPr lang="en-US" altLang="zh-TW" dirty="0" smtClean="0"/>
+              <a:t>/</a:t>
+            </a:r>
+            <a:r>
+              <a:rPr lang="zh-TW" altLang="en-US" dirty="0" smtClean="0"/>
+              <a:t>瀏覽紀錄</a:t>
+            </a:r>
+            <a:r>
+              <a:rPr lang="en-US" altLang="zh-TW" dirty="0" smtClean="0"/>
+              <a:t>, </a:t>
+            </a:r>
+            <a:r>
+              <a:rPr lang="zh-TW" altLang="en-US" dirty="0" smtClean="0"/>
+              <a:t>再次訪問的時候夾帶再</a:t>
+            </a:r>
+            <a:r>
+              <a:rPr lang="en-US" altLang="zh-TW" dirty="0" err="1" smtClean="0"/>
+              <a:t>heade</a:t>
+            </a:r>
+            <a:r>
+              <a:rPr lang="zh-TW" altLang="en-US" dirty="0" smtClean="0"/>
+              <a:t>裡面即可</a:t>
+            </a:r>
+            <a:r>
+              <a:rPr lang="en-US" altLang="zh-TW" dirty="0" smtClean="0"/>
+              <a:t> </a:t>
+            </a:r>
+          </a:p>
+          <a:p>
+            <a:pPr marL="800100" lvl="1" indent="-342900">
+              <a:buFont typeface="+mj-lt"/>
+              <a:buAutoNum type="arabicPeriod"/>
+            </a:pPr>
+            <a:r>
+              <a:rPr lang="zh-TW" altLang="en-US" dirty="0" smtClean="0"/>
+              <a:t>建立 </a:t>
+            </a:r>
+            <a:r>
+              <a:rPr lang="en-US" altLang="zh-TW" dirty="0" smtClean="0"/>
+              <a:t>cookie</a:t>
+            </a:r>
+            <a:r>
+              <a:rPr lang="zh-TW" altLang="en-US" dirty="0" smtClean="0"/>
+              <a:t>的設計埋藏於</a:t>
+            </a:r>
+            <a:r>
+              <a:rPr lang="en-US" altLang="zh-TW" dirty="0" smtClean="0"/>
+              <a:t>web</a:t>
+            </a:r>
+            <a:r>
+              <a:rPr lang="zh-TW" altLang="en-US" dirty="0" smtClean="0"/>
+              <a:t> </a:t>
+            </a:r>
+            <a:r>
+              <a:rPr lang="en-US" altLang="zh-TW" dirty="0" smtClean="0"/>
+              <a:t>server</a:t>
+            </a:r>
+            <a:r>
+              <a:rPr lang="zh-TW" altLang="en-US" dirty="0" smtClean="0"/>
+              <a:t> </a:t>
+            </a:r>
+            <a:r>
+              <a:rPr lang="en-US" altLang="zh-TW" dirty="0" err="1" smtClean="0"/>
+              <a:t>api</a:t>
+            </a:r>
+            <a:r>
+              <a:rPr lang="zh-TW" altLang="en-US" dirty="0" smtClean="0"/>
+              <a:t> </a:t>
+            </a:r>
+            <a:r>
+              <a:rPr lang="en-US" altLang="zh-TW" dirty="0" smtClean="0"/>
+              <a:t>=&gt;</a:t>
+            </a:r>
+            <a:r>
+              <a:rPr lang="zh-TW" altLang="en-US" dirty="0" smtClean="0"/>
+              <a:t> 可以定義要傳回包含哪些參數的</a:t>
+            </a:r>
+            <a:r>
+              <a:rPr lang="en-US" altLang="zh-TW" dirty="0" smtClean="0"/>
+              <a:t>cookie</a:t>
+            </a:r>
+            <a:r>
+              <a:rPr lang="zh-TW" altLang="en-US" dirty="0" smtClean="0"/>
+              <a:t> </a:t>
+            </a:r>
+            <a:r>
+              <a:rPr lang="en-US" altLang="zh-TW" dirty="0" smtClean="0"/>
+              <a:t>(</a:t>
+            </a:r>
+            <a:r>
+              <a:rPr lang="zh-TW" altLang="en-US" dirty="0" smtClean="0"/>
+              <a:t>過</a:t>
+            </a:r>
+            <a:r>
+              <a:rPr lang="zh-TW" altLang="en-US" dirty="0"/>
+              <a:t>期</a:t>
+            </a:r>
+            <a:r>
+              <a:rPr lang="zh-TW" altLang="en-US" dirty="0" smtClean="0"/>
+              <a:t>時間</a:t>
+            </a:r>
+            <a:r>
+              <a:rPr lang="en-US" altLang="zh-TW" dirty="0" smtClean="0"/>
+              <a:t>/domain/</a:t>
+            </a:r>
+            <a:r>
+              <a:rPr lang="zh-TW" altLang="en-US" dirty="0" smtClean="0"/>
+              <a:t>接口</a:t>
+            </a:r>
+            <a:r>
+              <a:rPr lang="en-US" altLang="zh-TW" dirty="0" smtClean="0"/>
+              <a:t>/</a:t>
+            </a:r>
+            <a:r>
+              <a:rPr lang="zh-TW" altLang="en-US" dirty="0" smtClean="0"/>
+              <a:t>加密</a:t>
+            </a:r>
+            <a:r>
+              <a:rPr lang="en-US" altLang="zh-TW" dirty="0" smtClean="0"/>
+              <a:t>)</a:t>
+            </a:r>
+          </a:p>
+          <a:p>
+            <a:pPr marL="800100" lvl="1" indent="-342900">
+              <a:buFont typeface="+mj-lt"/>
+              <a:buAutoNum type="arabicPeriod"/>
+            </a:pPr>
+            <a:r>
+              <a:rPr lang="en-US" altLang="zh-TW" dirty="0" smtClean="0"/>
+              <a:t>Cookie </a:t>
+            </a:r>
+            <a:r>
+              <a:rPr lang="zh-TW" altLang="en-US" dirty="0" smtClean="0"/>
+              <a:t>文檔檔內容常以</a:t>
+            </a:r>
+            <a:r>
+              <a:rPr lang="en-US" altLang="zh-TW" dirty="0" smtClean="0"/>
+              <a:t>(key, value)</a:t>
+            </a:r>
+            <a:r>
+              <a:rPr lang="zh-TW" altLang="en-US" dirty="0" smtClean="0"/>
+              <a:t>格式存在</a:t>
+            </a:r>
+            <a:endParaRPr lang="en-US" altLang="zh-TW" dirty="0" smtClean="0"/>
+          </a:p>
+          <a:p>
+            <a:pPr marL="800100" lvl="1" indent="-342900">
+              <a:buFont typeface="+mj-lt"/>
+              <a:buAutoNum type="arabicPeriod"/>
+            </a:pPr>
+            <a:r>
+              <a:rPr lang="en-US" altLang="zh-TW" dirty="0" smtClean="0"/>
+              <a:t>Cookie </a:t>
+            </a:r>
+            <a:r>
+              <a:rPr lang="zh-TW" altLang="en-US" dirty="0" smtClean="0"/>
+              <a:t>以文檔</a:t>
+            </a:r>
+            <a:r>
+              <a:rPr lang="zh-TW" altLang="en-US" dirty="0"/>
+              <a:t>格</a:t>
+            </a:r>
+            <a:r>
+              <a:rPr lang="zh-TW" altLang="en-US" dirty="0" smtClean="0"/>
+              <a:t>式在訪問網站時同時傳輸</a:t>
+            </a:r>
+            <a:r>
+              <a:rPr lang="en-US" altLang="zh-TW" dirty="0" smtClean="0"/>
+              <a:t>, </a:t>
+            </a:r>
+            <a:r>
+              <a:rPr lang="zh-TW" altLang="en-US" dirty="0" smtClean="0"/>
+              <a:t>檔案太大會有傳輸問題</a:t>
+            </a:r>
+            <a:endParaRPr lang="en-US" altLang="zh-TW" dirty="0" smtClean="0"/>
+          </a:p>
+          <a:p>
+            <a:pPr marL="800100" lvl="1" indent="-342900">
+              <a:buFont typeface="+mj-lt"/>
+              <a:buAutoNum type="arabicPeriod"/>
+            </a:pPr>
+            <a:r>
+              <a:rPr lang="zh-TW" altLang="en-US" dirty="0" smtClean="0"/>
+              <a:t>因為是</a:t>
+            </a:r>
+            <a:r>
+              <a:rPr lang="en-US" altLang="zh-TW" dirty="0"/>
+              <a:t>(key, </a:t>
+            </a:r>
+            <a:r>
+              <a:rPr lang="en-US" altLang="zh-TW" dirty="0" smtClean="0"/>
+              <a:t>value)</a:t>
+            </a:r>
+            <a:r>
+              <a:rPr lang="zh-TW" altLang="en-US" dirty="0" smtClean="0"/>
+              <a:t>文檔</a:t>
+            </a:r>
+            <a:r>
+              <a:rPr lang="en-US" altLang="zh-TW" dirty="0" smtClean="0"/>
+              <a:t>, </a:t>
+            </a:r>
+            <a:r>
+              <a:rPr lang="zh-TW" altLang="en-US" dirty="0" smtClean="0"/>
+              <a:t>有被竄改的安全風險</a:t>
+            </a:r>
+            <a:r>
+              <a:rPr lang="en-US" altLang="zh-TW" dirty="0" smtClean="0"/>
+              <a:t>, </a:t>
+            </a:r>
+            <a:r>
+              <a:rPr lang="zh-TW" altLang="en-US" dirty="0" smtClean="0"/>
+              <a:t>發展出</a:t>
+            </a:r>
+            <a:r>
+              <a:rPr lang="en-US" altLang="zh-TW" dirty="0" smtClean="0"/>
+              <a:t>Signed cookie (</a:t>
+            </a:r>
+            <a:r>
+              <a:rPr lang="zh-TW" altLang="en-US" dirty="0" smtClean="0"/>
+              <a:t>加入</a:t>
+            </a:r>
+            <a:r>
+              <a:rPr lang="en-US" altLang="zh-TW" dirty="0" smtClean="0"/>
+              <a:t>hash</a:t>
+            </a:r>
+            <a:r>
+              <a:rPr lang="zh-TW" altLang="en-US" dirty="0" smtClean="0"/>
+              <a:t>過的長字串當作認證</a:t>
+            </a:r>
+            <a:r>
+              <a:rPr lang="en-US" altLang="zh-TW" dirty="0" smtClean="0"/>
+              <a:t>)</a:t>
+            </a:r>
+          </a:p>
+          <a:p>
+            <a:pPr marL="285750" indent="-285750">
+              <a:buFont typeface="Arial" panose="020B0604020202020204" pitchFamily="34" charset="0"/>
+              <a:buChar char="•"/>
+            </a:pPr>
+            <a:r>
+              <a:rPr lang="en-US" altLang="zh-TW" dirty="0" smtClean="0"/>
+              <a:t>Session</a:t>
+            </a:r>
+            <a:r>
+              <a:rPr lang="zh-TW" altLang="en-US" dirty="0" smtClean="0"/>
+              <a:t> </a:t>
+            </a:r>
+            <a:r>
+              <a:rPr lang="en-US" altLang="zh-TW" dirty="0" smtClean="0"/>
+              <a:t>=&gt;</a:t>
+            </a:r>
+            <a:r>
+              <a:rPr lang="zh-TW" altLang="en-US" dirty="0" smtClean="0"/>
+              <a:t> 認證存在</a:t>
+            </a:r>
+            <a:r>
+              <a:rPr lang="en-US" altLang="zh-TW" dirty="0" smtClean="0"/>
+              <a:t>Server</a:t>
+            </a:r>
+            <a:r>
+              <a:rPr lang="zh-TW" altLang="en-US" dirty="0" smtClean="0"/>
+              <a:t>端</a:t>
+            </a:r>
+            <a:r>
+              <a:rPr lang="en-US" altLang="zh-TW" dirty="0" smtClean="0"/>
+              <a:t> : session (</a:t>
+            </a:r>
+            <a:r>
+              <a:rPr lang="zh-TW" altLang="en-US" dirty="0" smtClean="0"/>
+              <a:t>會發</a:t>
+            </a:r>
+            <a:r>
+              <a:rPr lang="en-US" altLang="zh-TW" dirty="0" err="1" smtClean="0"/>
+              <a:t>session_id</a:t>
+            </a:r>
+            <a:r>
+              <a:rPr lang="zh-TW" altLang="en-US" dirty="0" smtClean="0"/>
+              <a:t>傳給客戶端供再次造訪時使用</a:t>
+            </a:r>
+            <a:r>
+              <a:rPr lang="en-US" altLang="zh-TW" dirty="0" smtClean="0"/>
+              <a:t>)</a:t>
+            </a:r>
+          </a:p>
+          <a:p>
+            <a:pPr marL="800100" lvl="1" indent="-342900">
+              <a:buFont typeface="+mj-lt"/>
+              <a:buAutoNum type="arabicPeriod"/>
+            </a:pPr>
+            <a:r>
+              <a:rPr lang="zh-TW" altLang="en-US" dirty="0" smtClean="0"/>
+              <a:t>傳送方法</a:t>
+            </a:r>
+            <a:r>
+              <a:rPr lang="en-US" altLang="zh-TW" dirty="0" smtClean="0"/>
+              <a:t>1:</a:t>
+            </a:r>
+            <a:r>
+              <a:rPr lang="zh-TW" altLang="en-US" dirty="0"/>
+              <a:t> </a:t>
+            </a:r>
+            <a:r>
+              <a:rPr lang="en-US" altLang="zh-TW" dirty="0" err="1" smtClean="0"/>
+              <a:t>session_id</a:t>
+            </a:r>
+            <a:r>
+              <a:rPr lang="en-US" altLang="zh-TW" dirty="0" smtClean="0"/>
+              <a:t> </a:t>
+            </a:r>
+            <a:r>
+              <a:rPr lang="zh-TW" altLang="en-US" dirty="0" smtClean="0"/>
+              <a:t>埋在</a:t>
+            </a:r>
+            <a:r>
+              <a:rPr lang="en-US" altLang="zh-TW" dirty="0" err="1" smtClean="0"/>
+              <a:t>cooki</a:t>
+            </a:r>
+            <a:r>
+              <a:rPr lang="zh-TW" altLang="en-US" dirty="0" smtClean="0"/>
+              <a:t>裡面</a:t>
+            </a:r>
+            <a:r>
+              <a:rPr lang="en-US" altLang="zh-TW" dirty="0" smtClean="0"/>
+              <a:t>, </a:t>
+            </a:r>
+            <a:r>
+              <a:rPr lang="zh-TW" altLang="en-US" dirty="0"/>
+              <a:t>再</a:t>
+            </a:r>
+            <a:r>
+              <a:rPr lang="zh-TW" altLang="en-US" dirty="0" smtClean="0"/>
+              <a:t>次訪問時用</a:t>
+            </a:r>
+            <a:r>
+              <a:rPr lang="en-US" altLang="zh-TW" dirty="0" smtClean="0"/>
+              <a:t>cookie</a:t>
+            </a:r>
+            <a:r>
+              <a:rPr lang="zh-TW" altLang="en-US" dirty="0" smtClean="0"/>
+              <a:t>辨認 </a:t>
+            </a:r>
+            <a:r>
+              <a:rPr lang="en-US" altLang="zh-TW" dirty="0" smtClean="0"/>
+              <a:t>(</a:t>
+            </a:r>
+            <a:r>
+              <a:rPr lang="zh-TW" altLang="en-US" dirty="0" smtClean="0"/>
+              <a:t>此方法依賴</a:t>
+            </a:r>
+            <a:r>
+              <a:rPr lang="en-US" altLang="zh-TW" dirty="0" smtClean="0"/>
+              <a:t>cookie</a:t>
+            </a:r>
+            <a:r>
+              <a:rPr lang="zh-TW" altLang="en-US" dirty="0" smtClean="0"/>
+              <a:t>服務</a:t>
+            </a:r>
+            <a:r>
+              <a:rPr lang="en-US" altLang="zh-TW" dirty="0" smtClean="0"/>
+              <a:t>, </a:t>
+            </a:r>
+            <a:r>
+              <a:rPr lang="zh-TW" altLang="en-US" dirty="0" smtClean="0"/>
+              <a:t>如果</a:t>
+            </a:r>
+            <a:r>
+              <a:rPr lang="en-US" altLang="zh-TW" dirty="0" smtClean="0"/>
+              <a:t>cookie</a:t>
+            </a:r>
+            <a:r>
+              <a:rPr lang="zh-TW" altLang="en-US" dirty="0" smtClean="0"/>
+              <a:t>關掉就不能用</a:t>
+            </a:r>
+            <a:r>
+              <a:rPr lang="en-US" altLang="zh-TW" dirty="0" smtClean="0"/>
+              <a:t>)</a:t>
+            </a:r>
+          </a:p>
+          <a:p>
+            <a:pPr marL="800100" lvl="1" indent="-342900">
+              <a:buFont typeface="+mj-lt"/>
+              <a:buAutoNum type="arabicPeriod"/>
+            </a:pPr>
+            <a:r>
+              <a:rPr lang="zh-TW" altLang="en-US" dirty="0" smtClean="0"/>
+              <a:t>傳送方法</a:t>
+            </a:r>
+            <a:r>
+              <a:rPr lang="en-US" altLang="zh-TW" dirty="0" smtClean="0"/>
+              <a:t>2:</a:t>
+            </a:r>
+            <a:r>
+              <a:rPr lang="zh-TW" altLang="en-US" dirty="0" smtClean="0"/>
+              <a:t> </a:t>
+            </a:r>
+            <a:r>
+              <a:rPr lang="en-US" altLang="zh-TW" dirty="0" err="1" smtClean="0"/>
+              <a:t>seesion_id</a:t>
+            </a:r>
+            <a:r>
+              <a:rPr lang="en-US" altLang="zh-TW" dirty="0" smtClean="0"/>
+              <a:t> </a:t>
+            </a:r>
+            <a:r>
+              <a:rPr lang="zh-TW" altLang="en-US" dirty="0"/>
+              <a:t>加</a:t>
+            </a:r>
+            <a:r>
+              <a:rPr lang="zh-TW" altLang="en-US" dirty="0" smtClean="0"/>
+              <a:t>在</a:t>
+            </a:r>
+            <a:r>
+              <a:rPr lang="en-US" altLang="zh-TW" dirty="0" smtClean="0"/>
+              <a:t>URL</a:t>
+            </a:r>
+            <a:r>
+              <a:rPr lang="zh-TW" altLang="en-US" dirty="0" smtClean="0"/>
+              <a:t>後面當作參數</a:t>
+            </a:r>
+            <a:r>
+              <a:rPr lang="en-US" altLang="zh-TW" dirty="0" smtClean="0"/>
+              <a:t>, </a:t>
+            </a:r>
+            <a:r>
+              <a:rPr lang="zh-TW" altLang="en-US" dirty="0" smtClean="0"/>
+              <a:t>再次訪問的時候會用把</a:t>
+            </a:r>
+            <a:r>
+              <a:rPr lang="en-US" altLang="zh-TW" dirty="0" smtClean="0"/>
+              <a:t>id</a:t>
+            </a:r>
+            <a:r>
+              <a:rPr lang="zh-TW" altLang="en-US" dirty="0" smtClean="0"/>
+              <a:t>加在</a:t>
+            </a:r>
+            <a:r>
+              <a:rPr lang="en-US" altLang="zh-TW" dirty="0" smtClean="0"/>
+              <a:t>URL</a:t>
+            </a:r>
+            <a:r>
+              <a:rPr lang="zh-TW" altLang="en-US" dirty="0" smtClean="0"/>
+              <a:t>後面的方式來供辨認</a:t>
+            </a:r>
+            <a:endParaRPr lang="en-US" altLang="zh-TW" dirty="0" smtClean="0"/>
+          </a:p>
+          <a:p>
+            <a:pPr marL="285750" indent="-285750">
+              <a:buFont typeface="Arial" panose="020B0604020202020204" pitchFamily="34" charset="0"/>
+              <a:buChar char="•"/>
+            </a:pPr>
+            <a:endParaRPr lang="en-US" altLang="zh-TW" dirty="0"/>
+          </a:p>
+        </p:txBody>
+      </p:sp>
+      <p:grpSp>
+        <p:nvGrpSpPr>
+          <p:cNvPr id="19" name="群組 18"/>
+          <p:cNvGrpSpPr/>
+          <p:nvPr/>
+        </p:nvGrpSpPr>
+        <p:grpSpPr>
+          <a:xfrm>
+            <a:off x="3458506" y="4116792"/>
+            <a:ext cx="3982500" cy="2234104"/>
+            <a:chOff x="7991870" y="4567553"/>
+            <a:chExt cx="3982500" cy="2234104"/>
+          </a:xfrm>
+        </p:grpSpPr>
+        <p:graphicFrame>
+          <p:nvGraphicFramePr>
+            <p:cNvPr id="7" name="Object 98"/>
+            <p:cNvGraphicFramePr>
+              <a:graphicFrameLocks noChangeAspect="1"/>
+            </p:cNvGraphicFramePr>
+            <p:nvPr>
+              <p:extLst>
+                <p:ext uri="{D42A27DB-BD31-4B8C-83A1-F6EECF244321}">
+                  <p14:modId xmlns:p14="http://schemas.microsoft.com/office/powerpoint/2010/main" val="475010638"/>
+                </p:ext>
+              </p:extLst>
+            </p:nvPr>
+          </p:nvGraphicFramePr>
+          <p:xfrm>
+            <a:off x="8384338" y="4864250"/>
+            <a:ext cx="781796" cy="645414"/>
+          </p:xfrm>
+          <a:graphic>
+            <a:graphicData uri="http://schemas.openxmlformats.org/presentationml/2006/ole">
+              <mc:AlternateContent xmlns:mc="http://schemas.openxmlformats.org/markup-compatibility/2006">
+                <mc:Choice xmlns:v="urn:schemas-microsoft-com:vml" Requires="v">
+                  <p:oleObj spid="_x0000_s4105" name="Clip" r:id="rId3" imgW="1305000" imgH="1085760" progId="MS_ClipArt_Gallery.2">
+                    <p:embed/>
+                  </p:oleObj>
+                </mc:Choice>
+                <mc:Fallback>
+                  <p:oleObj name="Clip" r:id="rId3" imgW="1305000" imgH="1085760" progId="MS_ClipArt_Gallery.2">
+                    <p:embed/>
+                    <p:pic>
+                      <p:nvPicPr>
+                        <p:cNvPr id="0" name=""/>
+                        <p:cNvPicPr>
+                          <a:picLocks noChangeAspect="1" noChangeArrowheads="1"/>
+                        </p:cNvPicPr>
+                        <p:nvPr/>
+                      </p:nvPicPr>
+                      <p:blipFill>
+                        <a:blip r:embed="rId4">
+                          <a:extLst>
+                            <a:ext uri="{28A0092B-C50C-407E-A947-70E740481C1C}">
+                              <a14:useLocalDpi xmlns:a14="http://schemas.microsoft.com/office/drawing/2010/main" val="0"/>
+                            </a:ext>
+                          </a:extLst>
+                        </a:blip>
+                        <a:srcRect/>
+                        <a:stretch>
+                          <a:fillRect/>
+                        </a:stretch>
+                      </p:blipFill>
+                      <p:spPr bwMode="auto">
+                        <a:xfrm>
+                          <a:off x="8384338" y="4864250"/>
+                          <a:ext cx="781796" cy="645414"/>
+                        </a:xfrm>
+                        <a:prstGeom prst="rect">
+                          <a:avLst/>
+                        </a:prstGeom>
+                        <a:noFill/>
+                        <a:ln>
+                          <a:noFill/>
+                        </a:ln>
+                        <a:effectLst/>
+                        <a:extLst>
+                          <a:ext uri="{909E8E84-426E-40DD-AFC4-6F175D3DCCD1}">
+                            <a14:hiddenFill xmlns:a14="http://schemas.microsoft.com/office/drawing/2010/main">
+                              <a:solidFill>
+                                <a:srgbClr val="FFFFFF"/>
+                              </a:solidFill>
+                            </a14:hiddenFill>
+                          </a:ext>
+                          <a:ext uri="{91240B29-F687-4F45-9708-019B960494DF}">
+                            <a14:hiddenLine xmlns:a14="http://schemas.microsoft.com/office/drawing/2010/main" w="9525">
+                              <a:solidFill>
+                                <a:srgbClr val="000000"/>
+                              </a:solidFill>
+                              <a:miter lim="800000"/>
+                              <a:headEnd/>
+                              <a:tailEnd/>
+                            </a14:hiddenLine>
+                          </a:ext>
+                          <a:ext uri="{AF507438-7753-43E0-B8FC-AC1667EBCBE1}">
+                            <a14:hiddenEffects xmlns:a14="http://schemas.microsoft.com/office/drawing/2010/main">
+                              <a:effectLst>
+                                <a:outerShdw dist="35921" dir="2700000" algn="ctr" rotWithShape="0">
+                                  <a:srgbClr val="808080"/>
+                                </a:outerShdw>
+                              </a:effectLst>
+                            </a14:hiddenEffects>
+                          </a:ext>
+                        </a:extLst>
+                      </p:spPr>
+                    </p:pic>
+                  </p:oleObj>
+                </mc:Fallback>
+              </mc:AlternateContent>
+            </a:graphicData>
+          </a:graphic>
+        </p:graphicFrame>
+        <p:pic>
+          <p:nvPicPr>
+            <p:cNvPr id="8" name="圖片 7"/>
+            <p:cNvPicPr>
+              <a:picLocks noChangeAspect="1"/>
+            </p:cNvPicPr>
+            <p:nvPr/>
+          </p:nvPicPr>
+          <p:blipFill>
+            <a:blip r:embed="rId5"/>
+            <a:stretch>
+              <a:fillRect/>
+            </a:stretch>
+          </p:blipFill>
+          <p:spPr>
+            <a:xfrm>
+              <a:off x="10322505" y="4567553"/>
+              <a:ext cx="1173078" cy="1109538"/>
+            </a:xfrm>
+            <a:prstGeom prst="rect">
+              <a:avLst/>
+            </a:prstGeom>
+          </p:spPr>
+        </p:pic>
+        <p:cxnSp>
+          <p:nvCxnSpPr>
+            <p:cNvPr id="9" name="直線單箭頭接點 8"/>
+            <p:cNvCxnSpPr/>
+            <p:nvPr/>
+          </p:nvCxnSpPr>
+          <p:spPr>
+            <a:xfrm flipV="1">
+              <a:off x="9323157" y="4922436"/>
+              <a:ext cx="870559" cy="18661"/>
+            </a:xfrm>
+            <a:prstGeom prst="straightConnector1">
+              <a:avLst/>
+            </a:prstGeom>
+            <a:ln>
+              <a:solidFill>
+                <a:schemeClr val="tx1">
+                  <a:lumMod val="65000"/>
+                  <a:lumOff val="35000"/>
+                </a:schemeClr>
+              </a:solidFill>
+              <a:tailEnd type="triangle"/>
+            </a:ln>
+          </p:spPr>
+          <p:style>
+            <a:lnRef idx="1">
+              <a:schemeClr val="accent1"/>
+            </a:lnRef>
+            <a:fillRef idx="0">
+              <a:schemeClr val="accent1"/>
+            </a:fillRef>
+            <a:effectRef idx="0">
+              <a:schemeClr val="accent1"/>
+            </a:effectRef>
+            <a:fontRef idx="minor">
+              <a:schemeClr val="tx1"/>
+            </a:fontRef>
+          </p:style>
+        </p:cxnSp>
+        <p:sp>
+          <p:nvSpPr>
+            <p:cNvPr id="10" name="文字方塊 9"/>
+            <p:cNvSpPr txBox="1"/>
+            <p:nvPr/>
+          </p:nvSpPr>
+          <p:spPr>
+            <a:xfrm>
+              <a:off x="8425076" y="5547437"/>
+              <a:ext cx="700320" cy="369332"/>
+            </a:xfrm>
+            <a:prstGeom prst="rect">
+              <a:avLst/>
+            </a:prstGeom>
+            <a:noFill/>
+          </p:spPr>
+          <p:txBody>
+            <a:bodyPr wrap="none" rtlCol="0">
+              <a:spAutoFit/>
+            </a:bodyPr>
+            <a:lstStyle/>
+            <a:p>
+              <a:r>
+                <a:rPr lang="en-US" altLang="zh-TW" dirty="0" smtClean="0"/>
+                <a:t>client</a:t>
+              </a:r>
+              <a:endParaRPr lang="zh-TW" altLang="en-US" dirty="0"/>
+            </a:p>
+          </p:txBody>
+        </p:sp>
+        <p:sp>
+          <p:nvSpPr>
+            <p:cNvPr id="11" name="文字方塊 10"/>
+            <p:cNvSpPr txBox="1"/>
+            <p:nvPr/>
+          </p:nvSpPr>
+          <p:spPr>
+            <a:xfrm>
+              <a:off x="10524227" y="5732103"/>
+              <a:ext cx="769634" cy="369332"/>
+            </a:xfrm>
+            <a:prstGeom prst="rect">
+              <a:avLst/>
+            </a:prstGeom>
+            <a:noFill/>
+          </p:spPr>
+          <p:txBody>
+            <a:bodyPr wrap="none" rtlCol="0">
+              <a:spAutoFit/>
+            </a:bodyPr>
+            <a:lstStyle/>
+            <a:p>
+              <a:r>
+                <a:rPr lang="en-US" altLang="zh-TW" dirty="0" smtClean="0"/>
+                <a:t>server</a:t>
+              </a:r>
+              <a:endParaRPr lang="zh-TW" altLang="en-US" dirty="0"/>
+            </a:p>
+          </p:txBody>
+        </p:sp>
+        <p:cxnSp>
+          <p:nvCxnSpPr>
+            <p:cNvPr id="12" name="直線單箭頭接點 11"/>
+            <p:cNvCxnSpPr/>
+            <p:nvPr/>
+          </p:nvCxnSpPr>
+          <p:spPr>
+            <a:xfrm flipV="1">
+              <a:off x="9323155" y="5444746"/>
+              <a:ext cx="870559" cy="18661"/>
+            </a:xfrm>
+            <a:prstGeom prst="straightConnector1">
+              <a:avLst/>
+            </a:prstGeom>
+            <a:ln>
+              <a:solidFill>
+                <a:schemeClr val="tx1">
+                  <a:lumMod val="65000"/>
+                  <a:lumOff val="35000"/>
+                </a:schemeClr>
+              </a:solidFill>
+              <a:tailEnd type="triangle"/>
+            </a:ln>
+          </p:spPr>
+          <p:style>
+            <a:lnRef idx="1">
+              <a:schemeClr val="accent1"/>
+            </a:lnRef>
+            <a:fillRef idx="0">
+              <a:schemeClr val="accent1"/>
+            </a:fillRef>
+            <a:effectRef idx="0">
+              <a:schemeClr val="accent1"/>
+            </a:effectRef>
+            <a:fontRef idx="minor">
+              <a:schemeClr val="tx1"/>
+            </a:fontRef>
+          </p:style>
+        </p:cxnSp>
+        <p:cxnSp>
+          <p:nvCxnSpPr>
+            <p:cNvPr id="13" name="直線單箭頭接點 12"/>
+            <p:cNvCxnSpPr/>
+            <p:nvPr/>
+          </p:nvCxnSpPr>
+          <p:spPr>
+            <a:xfrm flipH="1">
+              <a:off x="9323155" y="5174528"/>
+              <a:ext cx="853606" cy="12262"/>
+            </a:xfrm>
+            <a:prstGeom prst="straightConnector1">
+              <a:avLst/>
+            </a:prstGeom>
+            <a:ln>
+              <a:solidFill>
+                <a:schemeClr val="tx1">
+                  <a:lumMod val="65000"/>
+                  <a:lumOff val="35000"/>
+                </a:schemeClr>
+              </a:solidFill>
+              <a:tailEnd type="triangle"/>
+            </a:ln>
+          </p:spPr>
+          <p:style>
+            <a:lnRef idx="1">
+              <a:schemeClr val="accent1"/>
+            </a:lnRef>
+            <a:fillRef idx="0">
+              <a:schemeClr val="accent1"/>
+            </a:fillRef>
+            <a:effectRef idx="0">
+              <a:schemeClr val="accent1"/>
+            </a:effectRef>
+            <a:fontRef idx="minor">
+              <a:schemeClr val="tx1"/>
+            </a:fontRef>
+          </p:style>
+        </p:cxnSp>
+        <p:sp>
+          <p:nvSpPr>
+            <p:cNvPr id="15" name="文字方塊 14"/>
+            <p:cNvSpPr txBox="1"/>
+            <p:nvPr/>
+          </p:nvSpPr>
+          <p:spPr>
+            <a:xfrm>
+              <a:off x="9390564" y="4598898"/>
+              <a:ext cx="359394" cy="369332"/>
+            </a:xfrm>
+            <a:prstGeom prst="rect">
+              <a:avLst/>
+            </a:prstGeom>
+            <a:noFill/>
+          </p:spPr>
+          <p:txBody>
+            <a:bodyPr wrap="none" rtlCol="0">
+              <a:spAutoFit/>
+            </a:bodyPr>
+            <a:lstStyle/>
+            <a:p>
+              <a:r>
+                <a:rPr lang="en-US" altLang="zh-TW" dirty="0" smtClean="0"/>
+                <a:t>1.</a:t>
+              </a:r>
+              <a:endParaRPr lang="zh-TW" altLang="en-US" dirty="0"/>
+            </a:p>
+          </p:txBody>
+        </p:sp>
+        <p:sp>
+          <p:nvSpPr>
+            <p:cNvPr id="16" name="文字方塊 15"/>
+            <p:cNvSpPr txBox="1"/>
+            <p:nvPr/>
+          </p:nvSpPr>
+          <p:spPr>
+            <a:xfrm>
+              <a:off x="9605777" y="4876229"/>
+              <a:ext cx="359394" cy="369332"/>
+            </a:xfrm>
+            <a:prstGeom prst="rect">
+              <a:avLst/>
+            </a:prstGeom>
+            <a:noFill/>
+          </p:spPr>
+          <p:txBody>
+            <a:bodyPr wrap="none" rtlCol="0">
+              <a:spAutoFit/>
+            </a:bodyPr>
+            <a:lstStyle/>
+            <a:p>
+              <a:r>
+                <a:rPr lang="en-US" altLang="zh-TW" dirty="0" smtClean="0"/>
+                <a:t>2.</a:t>
+              </a:r>
+              <a:endParaRPr lang="zh-TW" altLang="en-US" dirty="0"/>
+            </a:p>
+          </p:txBody>
+        </p:sp>
+        <p:sp>
+          <p:nvSpPr>
+            <p:cNvPr id="17" name="文字方塊 16"/>
+            <p:cNvSpPr txBox="1"/>
+            <p:nvPr/>
+          </p:nvSpPr>
+          <p:spPr>
+            <a:xfrm>
+              <a:off x="9803423" y="5140332"/>
+              <a:ext cx="359394" cy="369332"/>
+            </a:xfrm>
+            <a:prstGeom prst="rect">
+              <a:avLst/>
+            </a:prstGeom>
+            <a:noFill/>
+          </p:spPr>
+          <p:txBody>
+            <a:bodyPr wrap="none" rtlCol="0">
+              <a:spAutoFit/>
+            </a:bodyPr>
+            <a:lstStyle/>
+            <a:p>
+              <a:r>
+                <a:rPr lang="en-US" altLang="zh-TW" dirty="0"/>
+                <a:t>3</a:t>
+              </a:r>
+              <a:r>
+                <a:rPr lang="en-US" altLang="zh-TW" dirty="0" smtClean="0"/>
+                <a:t>.</a:t>
+              </a:r>
+              <a:endParaRPr lang="zh-TW" altLang="en-US" dirty="0"/>
+            </a:p>
+          </p:txBody>
+        </p:sp>
+        <p:sp>
+          <p:nvSpPr>
+            <p:cNvPr id="18" name="文字方塊 17"/>
+            <p:cNvSpPr txBox="1"/>
+            <p:nvPr/>
+          </p:nvSpPr>
+          <p:spPr>
+            <a:xfrm>
+              <a:off x="7991870" y="6155326"/>
+              <a:ext cx="3982500" cy="646331"/>
+            </a:xfrm>
+            <a:prstGeom prst="rect">
+              <a:avLst/>
+            </a:prstGeom>
+            <a:solidFill>
+              <a:schemeClr val="accent2">
+                <a:lumMod val="20000"/>
+                <a:lumOff val="80000"/>
+              </a:schemeClr>
+            </a:solidFill>
+          </p:spPr>
+          <p:txBody>
+            <a:bodyPr wrap="none" rtlCol="0">
+              <a:spAutoFit/>
+            </a:bodyPr>
+            <a:lstStyle/>
+            <a:p>
+              <a:pPr marL="285750" indent="-285750">
+                <a:buFont typeface="+mj-lt"/>
+                <a:buAutoNum type="arabicPeriod"/>
+              </a:pPr>
+              <a:r>
+                <a:rPr lang="zh-TW" altLang="en-US" sz="1200" dirty="0" smtClean="0"/>
+                <a:t>以</a:t>
+              </a:r>
+              <a:r>
+                <a:rPr lang="en-US" altLang="zh-TW" sz="1200" dirty="0" smtClean="0"/>
+                <a:t>POST</a:t>
+              </a:r>
+              <a:r>
+                <a:rPr lang="zh-TW" altLang="en-US" sz="1200" dirty="0" smtClean="0"/>
+                <a:t>夾帶使用者認證</a:t>
+              </a:r>
+              <a:r>
+                <a:rPr lang="en-US" altLang="zh-TW" sz="1200" dirty="0" smtClean="0"/>
+                <a:t>data(-d)</a:t>
+              </a:r>
+              <a:r>
+                <a:rPr lang="zh-TW" altLang="en-US" sz="1200" dirty="0" smtClean="0"/>
+                <a:t> 訪問</a:t>
+              </a:r>
+              <a:endParaRPr lang="en-US" altLang="zh-TW" sz="1200" dirty="0" smtClean="0"/>
+            </a:p>
+            <a:p>
+              <a:pPr marL="285750" indent="-285750">
+                <a:buFont typeface="+mj-lt"/>
+                <a:buAutoNum type="arabicPeriod"/>
+              </a:pPr>
+              <a:r>
+                <a:rPr lang="zh-TW" altLang="en-US" sz="1200" dirty="0" smtClean="0"/>
+                <a:t>認證成功</a:t>
+              </a:r>
+              <a:r>
+                <a:rPr lang="en-US" altLang="zh-TW" sz="1200" dirty="0" smtClean="0"/>
+                <a:t>Server</a:t>
+              </a:r>
+              <a:r>
+                <a:rPr lang="zh-TW" altLang="en-US" sz="1200" dirty="0" smtClean="0"/>
+                <a:t>回傳</a:t>
+              </a:r>
+              <a:r>
+                <a:rPr lang="en-US" altLang="zh-TW" sz="1200" dirty="0" smtClean="0"/>
+                <a:t>cookie/session</a:t>
+              </a:r>
+              <a:r>
+                <a:rPr lang="zh-TW" altLang="en-US" sz="1200" dirty="0" smtClean="0"/>
+                <a:t>當作依據</a:t>
+              </a:r>
+              <a:endParaRPr lang="en-US" altLang="zh-TW" sz="1200" dirty="0" smtClean="0"/>
+            </a:p>
+            <a:p>
+              <a:pPr marL="285750" indent="-285750">
+                <a:buFont typeface="+mj-lt"/>
+                <a:buAutoNum type="arabicPeriod"/>
+              </a:pPr>
+              <a:r>
+                <a:rPr lang="zh-TW" altLang="en-US" sz="1200" dirty="0" smtClean="0"/>
+                <a:t>再次造訪時</a:t>
+              </a:r>
+              <a:r>
+                <a:rPr lang="en-US" altLang="zh-TW" sz="1200" dirty="0" smtClean="0"/>
+                <a:t>, </a:t>
+              </a:r>
+              <a:r>
+                <a:rPr lang="zh-TW" altLang="en-US" sz="1200" dirty="0" smtClean="0"/>
+                <a:t>將</a:t>
+              </a:r>
+              <a:r>
+                <a:rPr lang="en-US" altLang="zh-TW" sz="1200" dirty="0" smtClean="0"/>
+                <a:t>session id / cookie</a:t>
+              </a:r>
+              <a:r>
+                <a:rPr lang="zh-TW" altLang="en-US" sz="1200" dirty="0" smtClean="0"/>
+                <a:t>文檔夾帶</a:t>
+              </a:r>
+              <a:r>
+                <a:rPr lang="en-US" altLang="zh-TW" sz="1200" dirty="0" smtClean="0"/>
+                <a:t>header</a:t>
+              </a:r>
+              <a:r>
+                <a:rPr lang="zh-TW" altLang="en-US" sz="1200" dirty="0" smtClean="0"/>
+                <a:t>當中</a:t>
+              </a:r>
+              <a:endParaRPr lang="en-US" altLang="zh-TW" sz="1200" dirty="0" smtClean="0"/>
+            </a:p>
+          </p:txBody>
+        </p:sp>
+      </p:grpSp>
+    </p:spTree>
+    <p:extLst>
+      <p:ext uri="{BB962C8B-B14F-4D97-AF65-F5344CB8AC3E}">
+        <p14:creationId xmlns:p14="http://schemas.microsoft.com/office/powerpoint/2010/main" val="1900959384"/>
       </p:ext>
     </p:extLst>
   </p:cSld>
@@ -6962,7 +8882,7 @@
             <a:graphicData uri="http://schemas.openxmlformats.org/presentationml/2006/ole">
               <mc:AlternateContent xmlns:mc="http://schemas.openxmlformats.org/markup-compatibility/2006">
                 <mc:Choice xmlns:v="urn:schemas-microsoft-com:vml" Requires="v">
-                  <p:oleObj spid="_x0000_s1102" name="Clip" r:id="rId3" imgW="1305000" imgH="1085760" progId="MS_ClipArt_Gallery.2">
+                  <p:oleObj spid="_x0000_s1110" name="Clip" r:id="rId3" imgW="1305000" imgH="1085760" progId="MS_ClipArt_Gallery.2">
                     <p:embed/>
                   </p:oleObj>
                 </mc:Choice>
@@ -9491,7 +11411,7 @@
             <a:graphicData uri="http://schemas.openxmlformats.org/presentationml/2006/ole">
               <mc:AlternateContent xmlns:mc="http://schemas.openxmlformats.org/markup-compatibility/2006">
                 <mc:Choice xmlns:v="urn:schemas-microsoft-com:vml" Requires="v">
-                  <p:oleObj spid="_x0000_s1103" name="Clip" r:id="rId5" imgW="1305000" imgH="1085760" progId="MS_ClipArt_Gallery.2">
+                  <p:oleObj spid="_x0000_s1111" name="Clip" r:id="rId5" imgW="1305000" imgH="1085760" progId="MS_ClipArt_Gallery.2">
                     <p:embed/>
                   </p:oleObj>
                 </mc:Choice>
